--- a/spring16/slidesS16/confidence-vs-selection.pptx
+++ b/spring16/slidesS16/confidence-vs-selection.pptx
@@ -2766,23 +2766,8 @@
                 </a:solidFill>
                 <a:latin typeface="Comic Sans MS" pitchFamily="66" charset="0"/>
               </a:rPr>
-              <a:t>voids </a:t>
-            </a:r>
-            <a:r>
-              <a:rPr lang="en-US" sz="8000" b="1" dirty="0" smtClean="0">
-                <a:solidFill>
-                  <a:schemeClr val="tx2"/>
-                </a:solidFill>
-                <a:latin typeface="Comic Sans MS" pitchFamily="66" charset="0"/>
-              </a:rPr>
-              <a:t>Confidence</a:t>
-            </a:r>
-            <a:endParaRPr lang="en-US" sz="8000" b="1" dirty="0" smtClean="0">
-              <a:solidFill>
-                <a:schemeClr val="tx2"/>
-              </a:solidFill>
-              <a:latin typeface="Comic Sans MS" pitchFamily="66" charset="0"/>
-            </a:endParaRPr>
+              <a:t>voids Confidence</a:t>
+            </a:r>
           </a:p>
         </p:txBody>
       </p:sp>
@@ -2881,12 +2866,12 @@
           <a:graphicData uri="http://schemas.openxmlformats.org/presentationml/2006/ole">
             <mc:AlternateContent xmlns:mc="http://schemas.openxmlformats.org/markup-compatibility/2006">
               <mc:Choice xmlns:v="urn:schemas-microsoft-com:vml" Requires="v">
-                <p:oleObj spid="_x0000_s5123" name="Document" r:id="rId3" imgW="6858000" imgH="4318000" progId="Word.Document.12">
+                <p:oleObj spid="_x0000_s5127" name="Document" r:id="rId4" imgW="6858000" imgH="4318000" progId="Word.Document.12">
                   <p:embed/>
                 </p:oleObj>
               </mc:Choice>
               <mc:Fallback>
-                <p:oleObj name="Document" r:id="rId3" imgW="6858000" imgH="4318000" progId="Word.Document.12">
+                <p:oleObj name="Document" r:id="rId4" imgW="6858000" imgH="4318000" progId="Word.Document.12">
                   <p:embed/>
                   <p:pic>
                     <p:nvPicPr>
@@ -2895,7 +2880,7 @@
                       <p:nvPr/>
                     </p:nvPicPr>
                     <p:blipFill>
-                      <a:blip r:embed="rId4"/>
+                      <a:blip r:embed="rId5"/>
                       <a:stretch>
                         <a:fillRect/>
                       </a:stretch>
@@ -3089,12 +3074,12 @@
           <a:graphicData uri="http://schemas.openxmlformats.org/presentationml/2006/ole">
             <mc:AlternateContent xmlns:mc="http://schemas.openxmlformats.org/markup-compatibility/2006">
               <mc:Choice xmlns:v="urn:schemas-microsoft-com:vml" Requires="v">
-                <p:oleObj spid="_x0000_s6147" name="Document" r:id="rId3" imgW="6858000" imgH="1625600" progId="Word.Document.12">
+                <p:oleObj spid="_x0000_s6151" name="Document" r:id="rId4" imgW="6858000" imgH="1625600" progId="Word.Document.12">
                   <p:embed/>
                 </p:oleObj>
               </mc:Choice>
               <mc:Fallback>
-                <p:oleObj name="Document" r:id="rId3" imgW="6858000" imgH="1625600" progId="Word.Document.12">
+                <p:oleObj name="Document" r:id="rId4" imgW="6858000" imgH="1625600" progId="Word.Document.12">
                   <p:embed/>
                   <p:pic>
                     <p:nvPicPr>
@@ -3103,7 +3088,7 @@
                       <p:nvPr/>
                     </p:nvPicPr>
                     <p:blipFill>
-                      <a:blip r:embed="rId4"/>
+                      <a:blip r:embed="rId5"/>
                       <a:stretch>
                         <a:fillRect/>
                       </a:stretch>
@@ -3297,12 +3282,12 @@
           <a:graphicData uri="http://schemas.openxmlformats.org/presentationml/2006/ole">
             <mc:AlternateContent xmlns:mc="http://schemas.openxmlformats.org/markup-compatibility/2006">
               <mc:Choice xmlns:v="urn:schemas-microsoft-com:vml" Requires="v">
-                <p:oleObj spid="_x0000_s7171" name="Document" r:id="rId3" imgW="6858000" imgH="3302000" progId="Word.Document.12">
+                <p:oleObj spid="_x0000_s7175" name="Document" r:id="rId4" imgW="6858000" imgH="3302000" progId="Word.Document.12">
                   <p:embed/>
                 </p:oleObj>
               </mc:Choice>
               <mc:Fallback>
-                <p:oleObj name="Document" r:id="rId3" imgW="6858000" imgH="3302000" progId="Word.Document.12">
+                <p:oleObj name="Document" r:id="rId4" imgW="6858000" imgH="3302000" progId="Word.Document.12">
                   <p:embed/>
                   <p:pic>
                     <p:nvPicPr>
@@ -3311,7 +3296,7 @@
                       <p:nvPr/>
                     </p:nvPicPr>
                     <p:blipFill>
-                      <a:blip r:embed="rId4"/>
+                      <a:blip r:embed="rId5"/>
                       <a:stretch>
                         <a:fillRect/>
                       </a:stretch>
@@ -3569,12 +3554,12 @@
           <a:graphicData uri="http://schemas.openxmlformats.org/presentationml/2006/ole">
             <mc:AlternateContent xmlns:mc="http://schemas.openxmlformats.org/markup-compatibility/2006">
               <mc:Choice xmlns:v="urn:schemas-microsoft-com:vml" Requires="v">
-                <p:oleObj spid="_x0000_s8195" name="Document" r:id="rId3" imgW="6858000" imgH="2997200" progId="Word.Document.12">
+                <p:oleObj spid="_x0000_s8199" name="Document" r:id="rId4" imgW="6858000" imgH="2997200" progId="Word.Document.12">
                   <p:embed/>
                 </p:oleObj>
               </mc:Choice>
               <mc:Fallback>
-                <p:oleObj name="Document" r:id="rId3" imgW="6858000" imgH="2997200" progId="Word.Document.12">
+                <p:oleObj name="Document" r:id="rId4" imgW="6858000" imgH="2997200" progId="Word.Document.12">
                   <p:embed/>
                   <p:pic>
                     <p:nvPicPr>
@@ -3583,7 +3568,7 @@
                       <p:nvPr/>
                     </p:nvPicPr>
                     <p:blipFill>
-                      <a:blip r:embed="rId4"/>
+                      <a:blip r:embed="rId5"/>
                       <a:stretch>
                         <a:fillRect/>
                       </a:stretch>
@@ -3758,13 +3743,8 @@
           <a:p>
             <a:r>
               <a:rPr lang="en-US" sz="4800" dirty="0" smtClean="0"/>
-              <a:t>Silly to assert confidence in that one report</a:t>
-            </a:r>
-            <a:r>
-              <a:rPr lang="en-US" sz="4800" dirty="0" smtClean="0"/>
-              <a:t>.</a:t>
-            </a:r>
-            <a:endParaRPr lang="en-US" sz="4800" dirty="0" smtClean="0"/>
+              <a:t>Silly to assert confidence in that one report.</a:t>
+            </a:r>
           </a:p>
         </p:txBody>
       </p:sp>
@@ -3964,15 +3944,7 @@
                   <a:srgbClr val="FF00FF"/>
                 </a:solidFill>
               </a:rPr>
-              <a:t>Cherry </a:t>
-            </a:r>
-            <a:r>
-              <a:rPr lang="en-US" sz="4800" dirty="0" smtClean="0">
-                <a:solidFill>
-                  <a:srgbClr val="FF00FF"/>
-                </a:solidFill>
-              </a:rPr>
-              <a:t>Picking</a:t>
+              <a:t>Cherry Picking</a:t>
             </a:r>
             <a:endParaRPr lang="en-US" sz="4800" dirty="0">
               <a:solidFill>
@@ -3990,11 +3962,6 @@
               </a:rPr>
               <a:t>voids Confidence</a:t>
             </a:r>
-            <a:endParaRPr lang="en-US" sz="4800" dirty="0" smtClean="0">
-              <a:solidFill>
-                <a:schemeClr val="tx1"/>
-              </a:solidFill>
-            </a:endParaRPr>
           </a:p>
         </p:txBody>
       </p:sp>
@@ -4366,15 +4333,7 @@
                   <a:schemeClr val="tx1"/>
                 </a:solidFill>
               </a:rPr>
-              <a:t>Selective </a:t>
-            </a:r>
-            <a:r>
-              <a:rPr lang="en-US" sz="4800" dirty="0" smtClean="0">
-                <a:solidFill>
-                  <a:schemeClr val="tx1"/>
-                </a:solidFill>
-              </a:rPr>
-              <a:t>Sample</a:t>
+              <a:t>Selective Sample</a:t>
             </a:r>
           </a:p>
         </p:txBody>
@@ -4548,37 +4507,17 @@
                 <a:latin typeface="Comic Sans MS"/>
                 <a:cs typeface="Comic Sans MS"/>
               </a:rPr>
-              <a:t>But </a:t>
+              <a:t>But their </a:t>
             </a:r>
             <a:r>
               <a:rPr lang="en-US" sz="4000" dirty="0" smtClean="0">
                 <a:solidFill>
-                  <a:srgbClr val="000000"/>
+                  <a:srgbClr val="FF00FF"/>
                 </a:solidFill>
                 <a:latin typeface="Comic Sans MS"/>
                 <a:cs typeface="Comic Sans MS"/>
               </a:rPr>
-              <a:t>their </a:t>
-            </a:r>
-            <a:r>
-              <a:rPr lang="en-US" sz="4000" dirty="0" smtClean="0">
-                <a:solidFill>
-                  <a:srgbClr val="FF00FF"/>
-                </a:solidFill>
-                <a:latin typeface="Comic Sans MS"/>
-                <a:cs typeface="Comic Sans MS"/>
-              </a:rPr>
-              <a:t>retest </a:t>
-            </a:r>
-            <a:r>
-              <a:rPr lang="en-US" sz="4000" dirty="0" smtClean="0">
-                <a:solidFill>
-                  <a:srgbClr val="FF00FF"/>
-                </a:solidFill>
-                <a:latin typeface="Comic Sans MS"/>
-                <a:cs typeface="Comic Sans MS"/>
-              </a:rPr>
-              <a:t>sample </a:t>
+              <a:t>retest sample </a:t>
             </a:r>
             <a:r>
               <a:rPr lang="en-US" sz="4000" dirty="0" smtClean="0">
@@ -4595,14 +4534,7 @@
                 <a:latin typeface="Comic Sans MS"/>
                 <a:cs typeface="Comic Sans MS"/>
               </a:rPr>
-              <a:t>people </a:t>
-            </a:r>
-            <a:r>
-              <a:rPr lang="en-US" sz="4000" dirty="0" smtClean="0">
-                <a:latin typeface="Comic Sans MS"/>
-                <a:cs typeface="Comic Sans MS"/>
-              </a:rPr>
-              <a:t>with</a:t>
+              <a:t>people with</a:t>
             </a:r>
             <a:r>
               <a:rPr lang="en-US" sz="4000" dirty="0" smtClean="0">
@@ -4647,13 +4579,13 @@
   <p:clrMapOvr>
     <a:masterClrMapping/>
   </p:clrMapOvr>
-  <mc:AlternateContent xmlns:mc="http://schemas.openxmlformats.org/markup-compatibility/2006">
-    <mc:Choice xmlns:p14="http://schemas.microsoft.com/office/powerpoint/2010/main" Requires="p14">
+  <mc:AlternateContent xmlns:mc="http://schemas.openxmlformats.org/markup-compatibility/2006" xmlns:p14="http://schemas.microsoft.com/office/powerpoint/2010/main">
+    <mc:Choice Requires="p14">
       <p:transition spd="slow" p14:dur="1100" advClick="0">
         <p:fade thruBlk="1"/>
       </p:transition>
     </mc:Choice>
-    <mc:Fallback>
+    <mc:Fallback xmlns="">
       <p:transition xmlns:p14="http://schemas.microsoft.com/office/powerpoint/2010/main" spd="slow" advClick="0">
         <p:fade thruBlk="1"/>
       </p:transition>
@@ -5790,48 +5722,30 @@
                 <a:latin typeface="Comic Sans MS"/>
                 <a:cs typeface="Comic Sans MS"/>
               </a:rPr>
-              <a:t>Lab managers </a:t>
-            </a:r>
+              <a:t>Lab managers expected</a:t>
+            </a:r>
+          </a:p>
+          <a:p>
             <a:r>
               <a:rPr lang="en-US" sz="4800" dirty="0" smtClean="0">
+                <a:solidFill>
+                  <a:srgbClr val="FF00FF"/>
+                </a:solidFill>
                 <a:latin typeface="Comic Sans MS"/>
                 <a:cs typeface="Comic Sans MS"/>
               </a:rPr>
-              <a:t>expected</a:t>
-            </a:r>
-            <a:endParaRPr lang="en-US" sz="4800" dirty="0" smtClean="0">
-              <a:latin typeface="Comic Sans MS"/>
-              <a:cs typeface="Comic Sans MS"/>
-            </a:endParaRPr>
-          </a:p>
-          <a:p>
+              <a:t>confidence </a:t>
+            </a:r>
             <a:r>
               <a:rPr lang="en-US" sz="4800" dirty="0" smtClean="0">
                 <a:solidFill>
-                  <a:srgbClr val="FF00FF"/>
+                  <a:srgbClr val="000000"/>
                 </a:solidFill>
                 <a:latin typeface="Comic Sans MS"/>
                 <a:cs typeface="Comic Sans MS"/>
               </a:rPr>
-              <a:t>confidence </a:t>
-            </a:r>
-            <a:r>
-              <a:rPr lang="en-US" sz="4800" dirty="0" smtClean="0">
-                <a:solidFill>
-                  <a:srgbClr val="000000"/>
-                </a:solidFill>
-                <a:latin typeface="Comic Sans MS"/>
-                <a:cs typeface="Comic Sans MS"/>
-              </a:rPr>
               <a:t>error rate,</a:t>
             </a:r>
-            <a:endParaRPr lang="en-US" sz="4800" dirty="0" smtClean="0">
-              <a:solidFill>
-                <a:srgbClr val="000000"/>
-              </a:solidFill>
-              <a:latin typeface="Comic Sans MS"/>
-              <a:cs typeface="Comic Sans MS"/>
-            </a:endParaRPr>
           </a:p>
           <a:p>
             <a:endParaRPr lang="en-US" sz="4800" dirty="0" smtClean="0">
@@ -5886,7 +5800,7 @@
           <a:graphicData uri="http://schemas.openxmlformats.org/presentationml/2006/ole">
             <mc:AlternateContent xmlns:mc="http://schemas.openxmlformats.org/markup-compatibility/2006">
               <mc:Choice xmlns:v="urn:schemas-microsoft-com:vml" Requires="v">
-                <p:oleObj spid="_x0000_s1072" name="Equation" r:id="rId3" imgW="1651000" imgH="241300" progId="Equation.DSMT4">
+                <p:oleObj spid="_x0000_s1078" name="Equation" r:id="rId3" imgW="1651000" imgH="241300" progId="Equation.DSMT4">
                   <p:embed/>
                 </p:oleObj>
               </mc:Choice>
@@ -5943,7 +5857,7 @@
           <a:graphicData uri="http://schemas.openxmlformats.org/presentationml/2006/ole">
             <mc:AlternateContent xmlns:mc="http://schemas.openxmlformats.org/markup-compatibility/2006">
               <mc:Choice xmlns:v="urn:schemas-microsoft-com:vml" Requires="v">
-                <p:oleObj spid="_x0000_s1073" name="Equation" r:id="rId5" imgW="2019300" imgH="241300" progId="Equation.DSMT4">
+                <p:oleObj spid="_x0000_s1079" name="Equation" r:id="rId5" imgW="2019300" imgH="241300" progId="Equation.DSMT4">
                   <p:embed/>
                 </p:oleObj>
               </mc:Choice>
@@ -6136,15 +6050,7 @@
                   <a:schemeClr val="tx1"/>
                 </a:solidFill>
               </a:rPr>
-              <a:t>Selective </a:t>
-            </a:r>
-            <a:r>
-              <a:rPr lang="en-US" sz="4800" dirty="0" smtClean="0">
-                <a:solidFill>
-                  <a:schemeClr val="tx1"/>
-                </a:solidFill>
-              </a:rPr>
-              <a:t>Sample</a:t>
+              <a:t>Selective Sample</a:t>
             </a:r>
           </a:p>
         </p:txBody>
@@ -6447,48 +6353,30 @@
                 <a:latin typeface="Comic Sans MS"/>
                 <a:cs typeface="Comic Sans MS"/>
               </a:rPr>
-              <a:t>Lab managers </a:t>
-            </a:r>
+              <a:t>Lab managers expected</a:t>
+            </a:r>
+          </a:p>
+          <a:p>
             <a:r>
               <a:rPr lang="en-US" sz="4800" dirty="0" smtClean="0">
+                <a:solidFill>
+                  <a:srgbClr val="FF00FF"/>
+                </a:solidFill>
                 <a:latin typeface="Comic Sans MS"/>
                 <a:cs typeface="Comic Sans MS"/>
               </a:rPr>
-              <a:t>expected</a:t>
-            </a:r>
-            <a:endParaRPr lang="en-US" sz="4800" dirty="0" smtClean="0">
-              <a:latin typeface="Comic Sans MS"/>
-              <a:cs typeface="Comic Sans MS"/>
-            </a:endParaRPr>
-          </a:p>
-          <a:p>
+              <a:t>confidence </a:t>
+            </a:r>
             <a:r>
               <a:rPr lang="en-US" sz="4800" dirty="0" smtClean="0">
                 <a:solidFill>
-                  <a:srgbClr val="FF00FF"/>
+                  <a:srgbClr val="000000"/>
                 </a:solidFill>
                 <a:latin typeface="Comic Sans MS"/>
                 <a:cs typeface="Comic Sans MS"/>
               </a:rPr>
-              <a:t>confidence </a:t>
-            </a:r>
-            <a:r>
-              <a:rPr lang="en-US" sz="4800" dirty="0" smtClean="0">
-                <a:solidFill>
-                  <a:srgbClr val="000000"/>
-                </a:solidFill>
-                <a:latin typeface="Comic Sans MS"/>
-                <a:cs typeface="Comic Sans MS"/>
-              </a:rPr>
               <a:t>error rate,</a:t>
             </a:r>
-            <a:endParaRPr lang="en-US" sz="4800" dirty="0" smtClean="0">
-              <a:solidFill>
-                <a:srgbClr val="000000"/>
-              </a:solidFill>
-              <a:latin typeface="Comic Sans MS"/>
-              <a:cs typeface="Comic Sans MS"/>
-            </a:endParaRPr>
           </a:p>
           <a:p>
             <a:endParaRPr lang="en-US" sz="4800" dirty="0" smtClean="0">
@@ -6550,7 +6438,7 @@
           <a:graphicData uri="http://schemas.openxmlformats.org/presentationml/2006/ole">
             <mc:AlternateContent xmlns:mc="http://schemas.openxmlformats.org/markup-compatibility/2006">
               <mc:Choice xmlns:v="urn:schemas-microsoft-com:vml" Requires="v">
-                <p:oleObj spid="_x0000_s9219" name="Equation" r:id="rId3" imgW="1536700" imgH="254000" progId="Equation.DSMT4">
+                <p:oleObj spid="_x0000_s9225" name="Equation" r:id="rId3" imgW="1536700" imgH="254000" progId="Equation.DSMT4">
                   <p:embed/>
                 </p:oleObj>
               </mc:Choice>
@@ -6743,15 +6631,7 @@
                   <a:schemeClr val="tx1"/>
                 </a:solidFill>
               </a:rPr>
-              <a:t>Selective </a:t>
-            </a:r>
-            <a:r>
-              <a:rPr lang="en-US" sz="4800" dirty="0" smtClean="0">
-                <a:solidFill>
-                  <a:schemeClr val="tx1"/>
-                </a:solidFill>
-              </a:rPr>
-              <a:t>Sample</a:t>
+              <a:t>Selective Sample</a:t>
             </a:r>
           </a:p>
         </p:txBody>
@@ -6778,7 +6658,7 @@
           <a:graphicData uri="http://schemas.openxmlformats.org/presentationml/2006/ole">
             <mc:AlternateContent xmlns:mc="http://schemas.openxmlformats.org/markup-compatibility/2006">
               <mc:Choice xmlns:v="urn:schemas-microsoft-com:vml" Requires="v">
-                <p:oleObj spid="_x0000_s9220" name="Equation" r:id="rId5" imgW="2019300" imgH="241300" progId="Equation.DSMT4">
+                <p:oleObj spid="_x0000_s9226" name="Equation" r:id="rId5" imgW="2019300" imgH="241300" progId="Equation.DSMT4">
                   <p:embed/>
                 </p:oleObj>
               </mc:Choice>
@@ -7035,23 +6915,8 @@
                 </a:solidFill>
                 <a:latin typeface="Comic Sans MS" pitchFamily="66" charset="0"/>
               </a:rPr>
-              <a:t>voids </a:t>
-            </a:r>
-            <a:r>
-              <a:rPr lang="en-US" sz="8000" b="1" dirty="0" smtClean="0">
-                <a:solidFill>
-                  <a:schemeClr val="tx2"/>
-                </a:solidFill>
-                <a:latin typeface="Comic Sans MS" pitchFamily="66" charset="0"/>
-              </a:rPr>
-              <a:t>Confidence</a:t>
-            </a:r>
-            <a:endParaRPr lang="en-US" sz="8000" b="1" dirty="0" smtClean="0">
-              <a:solidFill>
-                <a:schemeClr val="tx2"/>
-              </a:solidFill>
-              <a:latin typeface="Comic Sans MS" pitchFamily="66" charset="0"/>
-            </a:endParaRPr>
+              <a:t>voids Confidence</a:t>
+            </a:r>
           </a:p>
         </p:txBody>
       </p:sp>
@@ -7160,48 +7025,30 @@
                 <a:latin typeface="Comic Sans MS"/>
                 <a:cs typeface="Comic Sans MS"/>
               </a:rPr>
-              <a:t>Lab managers </a:t>
-            </a:r>
+              <a:t>Lab managers expected</a:t>
+            </a:r>
+          </a:p>
+          <a:p>
             <a:r>
               <a:rPr lang="en-US" sz="4800" dirty="0" smtClean="0">
+                <a:solidFill>
+                  <a:srgbClr val="FF00FF"/>
+                </a:solidFill>
                 <a:latin typeface="Comic Sans MS"/>
                 <a:cs typeface="Comic Sans MS"/>
               </a:rPr>
-              <a:t>expected</a:t>
-            </a:r>
-            <a:endParaRPr lang="en-US" sz="4800" dirty="0" smtClean="0">
-              <a:latin typeface="Comic Sans MS"/>
-              <a:cs typeface="Comic Sans MS"/>
-            </a:endParaRPr>
-          </a:p>
-          <a:p>
+              <a:t>confidence </a:t>
+            </a:r>
             <a:r>
               <a:rPr lang="en-US" sz="4800" dirty="0" smtClean="0">
                 <a:solidFill>
-                  <a:srgbClr val="FF00FF"/>
+                  <a:srgbClr val="000000"/>
                 </a:solidFill>
                 <a:latin typeface="Comic Sans MS"/>
                 <a:cs typeface="Comic Sans MS"/>
               </a:rPr>
-              <a:t>confidence </a:t>
-            </a:r>
-            <a:r>
-              <a:rPr lang="en-US" sz="4800" dirty="0" smtClean="0">
-                <a:solidFill>
-                  <a:srgbClr val="000000"/>
-                </a:solidFill>
-                <a:latin typeface="Comic Sans MS"/>
-                <a:cs typeface="Comic Sans MS"/>
-              </a:rPr>
               <a:t>error rate,</a:t>
             </a:r>
-            <a:endParaRPr lang="en-US" sz="4800" dirty="0" smtClean="0">
-              <a:solidFill>
-                <a:srgbClr val="000000"/>
-              </a:solidFill>
-              <a:latin typeface="Comic Sans MS"/>
-              <a:cs typeface="Comic Sans MS"/>
-            </a:endParaRPr>
           </a:p>
           <a:p>
             <a:endParaRPr lang="en-US" sz="4800" dirty="0" smtClean="0">
@@ -7263,7 +7110,7 @@
           <a:graphicData uri="http://schemas.openxmlformats.org/presentationml/2006/ole">
             <mc:AlternateContent xmlns:mc="http://schemas.openxmlformats.org/markup-compatibility/2006">
               <mc:Choice xmlns:v="urn:schemas-microsoft-com:vml" Requires="v">
-                <p:oleObj spid="_x0000_s11267" name="Equation" r:id="rId3" imgW="1536700" imgH="254000" progId="Equation.DSMT4">
+                <p:oleObj spid="_x0000_s11273" name="Equation" r:id="rId3" imgW="1536700" imgH="254000" progId="Equation.DSMT4">
                   <p:embed/>
                 </p:oleObj>
               </mc:Choice>
@@ -7320,7 +7167,7 @@
           <a:graphicData uri="http://schemas.openxmlformats.org/presentationml/2006/ole">
             <mc:AlternateContent xmlns:mc="http://schemas.openxmlformats.org/markup-compatibility/2006">
               <mc:Choice xmlns:v="urn:schemas-microsoft-com:vml" Requires="v">
-                <p:oleObj spid="_x0000_s11268" name="Equation" r:id="rId5" imgW="1346200" imgH="241300" progId="Equation.DSMT4">
+                <p:oleObj spid="_x0000_s11274" name="Equation" r:id="rId5" imgW="1346200" imgH="241300" progId="Equation.DSMT4">
                   <p:embed/>
                 </p:oleObj>
               </mc:Choice>
@@ -7549,15 +7396,7 @@
                   <a:schemeClr val="tx1"/>
                 </a:solidFill>
               </a:rPr>
-              <a:t>Selective </a:t>
-            </a:r>
-            <a:r>
-              <a:rPr lang="en-US" sz="4800" dirty="0" smtClean="0">
-                <a:solidFill>
-                  <a:schemeClr val="tx1"/>
-                </a:solidFill>
-              </a:rPr>
-              <a:t>Sample</a:t>
+              <a:t>Selective Sample</a:t>
             </a:r>
           </a:p>
         </p:txBody>
@@ -7596,9 +7435,6 @@
                     <p:cTn id="3" fill="hold">
                       <p:stCondLst>
                         <p:cond delay="indefinite"/>
-                        <p:cond evt="onBegin" delay="0">
-                          <p:tn val="2"/>
-                        </p:cond>
                       </p:stCondLst>
                       <p:childTnLst>
                         <p:par>
@@ -7608,7 +7444,7 @@
                             </p:stCondLst>
                             <p:childTnLst>
                               <p:par>
-                                <p:cTn id="5" presetID="22" presetClass="entr" presetSubtype="8" fill="hold" nodeType="afterEffect">
+                                <p:cTn id="5" presetID="10" presetClass="entr" presetSubtype="0" fill="hold" nodeType="clickEffect">
                                   <p:stCondLst>
                                     <p:cond delay="0"/>
                                   </p:stCondLst>
@@ -7621,7 +7457,11 @@
                                           </p:stCondLst>
                                         </p:cTn>
                                         <p:tgtEl>
-                                          <p:spTgt spid="9"/>
+                                          <p:spTgt spid="5">
+                                            <p:txEl>
+                                              <p:pRg st="0" end="0"/>
+                                            </p:txEl>
+                                          </p:spTgt>
                                         </p:tgtEl>
                                         <p:attrNameLst>
                                           <p:attrName>style.visibility</p:attrName>
@@ -7631,11 +7471,15 @@
                                         <p:strVal val="visible"/>
                                       </p:to>
                                     </p:set>
-                                    <p:animEffect transition="in" filter="wipe(left)">
+                                    <p:animEffect transition="in" filter="fade">
                                       <p:cBhvr>
-                                        <p:cTn id="7" dur="1000"/>
+                                        <p:cTn id="7" dur="500"/>
                                         <p:tgtEl>
-                                          <p:spTgt spid="9"/>
+                                          <p:spTgt spid="5">
+                                            <p:txEl>
+                                              <p:pRg st="0" end="0"/>
+                                            </p:txEl>
+                                          </p:spTgt>
                                         </p:tgtEl>
                                       </p:cBhvr>
                                     </p:animEffect>
@@ -7720,11 +7564,7 @@
             </a:r>
             <a:r>
               <a:rPr lang="en-US" sz="4800" dirty="0" smtClean="0"/>
-              <a:t> </a:t>
-            </a:r>
-            <a:r>
-              <a:rPr lang="en-US" sz="4800" dirty="0" smtClean="0"/>
-              <a:t>For claimed confidence</a:t>
+              <a:t> For claimed confidence</a:t>
             </a:r>
           </a:p>
           <a:p>
@@ -7750,13 +7590,8 @@
             </a:r>
             <a:r>
               <a:rPr lang="en-US" sz="4800" dirty="0" smtClean="0"/>
-              <a:t>outcome</a:t>
-            </a:r>
-            <a:r>
-              <a:rPr lang="en-US" sz="4800" dirty="0" smtClean="0"/>
-              <a:t>?  </a:t>
-            </a:r>
-            <a:endParaRPr lang="en-US" sz="4800" dirty="0" smtClean="0"/>
+              <a:t>outcome?  </a:t>
+            </a:r>
           </a:p>
           <a:p>
             <a:r>
@@ -8014,13 +7849,13 @@
   <p:clrMapOvr>
     <a:masterClrMapping/>
   </p:clrMapOvr>
-  <mc:AlternateContent xmlns:mc="http://schemas.openxmlformats.org/markup-compatibility/2006">
-    <mc:Choice xmlns:p14="http://schemas.microsoft.com/office/powerpoint/2010/main" Requires="p14">
+  <mc:AlternateContent xmlns:mc="http://schemas.openxmlformats.org/markup-compatibility/2006" xmlns:p14="http://schemas.microsoft.com/office/powerpoint/2010/main">
+    <mc:Choice Requires="p14">
       <p:transition spd="slow" p14:dur="1100" advClick="0">
         <p:fade thruBlk="1"/>
       </p:transition>
     </mc:Choice>
-    <mc:Fallback>
+    <mc:Fallback xmlns="">
       <p:transition xmlns:p14="http://schemas.microsoft.com/office/powerpoint/2010/main" spd="slow" advClick="0">
         <p:fade thruBlk="1"/>
       </p:transition>
@@ -9427,17 +9262,7 @@
                 <a:latin typeface="Comic Sans MS"/>
                 <a:cs typeface="Comic Sans MS"/>
               </a:rPr>
-              <a:t>So </a:t>
-            </a:r>
-            <a:r>
-              <a:rPr lang="en-US" sz="6600" dirty="0" smtClean="0">
-                <a:solidFill>
-                  <a:prstClr val="black"/>
-                </a:solidFill>
-                <a:latin typeface="Comic Sans MS"/>
-                <a:cs typeface="Comic Sans MS"/>
-              </a:rPr>
-              <a:t>what’s wrong with</a:t>
+              <a:t>So what’s wrong with</a:t>
             </a:r>
           </a:p>
           <a:p>
@@ -10433,13 +10258,13 @@
   <p:clrMapOvr>
     <a:masterClrMapping/>
   </p:clrMapOvr>
-  <mc:AlternateContent xmlns:mc="http://schemas.openxmlformats.org/markup-compatibility/2006">
-    <mc:Choice xmlns:p14="http://schemas.microsoft.com/office/powerpoint/2010/main" Requires="p14">
+  <mc:AlternateContent xmlns:mc="http://schemas.openxmlformats.org/markup-compatibility/2006" xmlns:p14="http://schemas.microsoft.com/office/powerpoint/2010/main">
+    <mc:Choice Requires="p14">
       <p:transition spd="slow" p14:dur="1100" advClick="0">
         <p:fade thruBlk="1"/>
       </p:transition>
     </mc:Choice>
-    <mc:Fallback>
+    <mc:Fallback xmlns="">
       <p:transition xmlns:p14="http://schemas.microsoft.com/office/powerpoint/2010/main" spd="slow" advClick="0">
         <p:fade thruBlk="1"/>
       </p:transition>
@@ -10827,27 +10652,7 @@
                 <a:latin typeface="Comic Sans MS"/>
                 <a:cs typeface="Comic Sans MS"/>
               </a:rPr>
-              <a:t>should indeed expect 99% prior </a:t>
-            </a:r>
-            <a:r>
-              <a:rPr lang="en-US" sz="4000" dirty="0" smtClean="0">
-                <a:solidFill>
-                  <a:srgbClr val="000000"/>
-                </a:solidFill>
-                <a:latin typeface="Comic Sans MS"/>
-                <a:cs typeface="Comic Sans MS"/>
-              </a:rPr>
-              <a:t>tests correct</a:t>
-            </a:r>
-            <a:r>
-              <a:rPr lang="en-US" sz="4000" dirty="0" smtClean="0">
-                <a:solidFill>
-                  <a:srgbClr val="000000"/>
-                </a:solidFill>
-                <a:latin typeface="Comic Sans MS"/>
-                <a:cs typeface="Comic Sans MS"/>
-              </a:rPr>
-              <a:t>.</a:t>
+              <a:t>should indeed expect 99% prior tests correct.</a:t>
             </a:r>
           </a:p>
           <a:p>
@@ -11291,15 +11096,7 @@
                   <a:srgbClr val="FF00FF"/>
                 </a:solidFill>
               </a:rPr>
-              <a:t>Cherry </a:t>
-            </a:r>
-            <a:r>
-              <a:rPr lang="en-US" sz="4800" dirty="0" smtClean="0">
-                <a:solidFill>
-                  <a:srgbClr val="FF00FF"/>
-                </a:solidFill>
-              </a:rPr>
-              <a:t>Picking</a:t>
+              <a:t>Cherry Picking</a:t>
             </a:r>
             <a:endParaRPr lang="en-US" sz="4800" dirty="0">
               <a:solidFill>
@@ -11317,11 +11114,6 @@
               </a:rPr>
               <a:t>voids Confidence</a:t>
             </a:r>
-            <a:endParaRPr lang="en-US" sz="4800" dirty="0" smtClean="0">
-              <a:solidFill>
-                <a:schemeClr val="tx1"/>
-              </a:solidFill>
-            </a:endParaRPr>
           </a:p>
         </p:txBody>
       </p:sp>
@@ -11398,7 +11190,7 @@
           <a:graphicData uri="http://schemas.openxmlformats.org/presentationml/2006/ole">
             <mc:AlternateContent xmlns:mc="http://schemas.openxmlformats.org/markup-compatibility/2006">
               <mc:Choice xmlns:v="urn:schemas-microsoft-com:vml" Requires="v">
-                <p:oleObj spid="_x0000_s3104" name="Equation" r:id="rId3" imgW="1879600" imgH="241300" progId="Equation.DSMT4">
+                <p:oleObj spid="_x0000_s3110" name="Equation" r:id="rId3" imgW="1879600" imgH="241300" progId="Equation.DSMT4">
                   <p:embed/>
                 </p:oleObj>
               </mc:Choice>
@@ -11455,7 +11247,7 @@
           <a:graphicData uri="http://schemas.openxmlformats.org/presentationml/2006/ole">
             <mc:AlternateContent xmlns:mc="http://schemas.openxmlformats.org/markup-compatibility/2006">
               <mc:Choice xmlns:v="urn:schemas-microsoft-com:vml" Requires="v">
-                <p:oleObj spid="_x0000_s3105" name="Equation" r:id="rId5" imgW="2159000" imgH="241300" progId="Equation.DSMT4">
+                <p:oleObj spid="_x0000_s3111" name="Equation" r:id="rId5" imgW="2159000" imgH="241300" progId="Equation.DSMT4">
                   <p:embed/>
                 </p:oleObj>
               </mc:Choice>
@@ -11500,13 +11292,13 @@
   <p:clrMapOvr>
     <a:masterClrMapping/>
   </p:clrMapOvr>
-  <mc:AlternateContent xmlns:mc="http://schemas.openxmlformats.org/markup-compatibility/2006">
-    <mc:Choice xmlns:p14="http://schemas.microsoft.com/office/powerpoint/2010/main" Requires="p14">
+  <mc:AlternateContent xmlns:mc="http://schemas.openxmlformats.org/markup-compatibility/2006" xmlns:p14="http://schemas.microsoft.com/office/powerpoint/2010/main">
+    <mc:Choice Requires="p14">
       <p:transition spd="slow" p14:dur="1200" advClick="0">
         <p:fade thruBlk="1"/>
       </p:transition>
     </mc:Choice>
-    <mc:Fallback>
+    <mc:Fallback xmlns="">
       <p:transition xmlns:p14="http://schemas.microsoft.com/office/powerpoint/2010/main" spd="slow" advClick="0">
         <p:fade thruBlk="1"/>
       </p:transition>
